--- a/inst/rmarkdown/templates/Slides/skeleton/TitlePage_buaa.pptx
+++ b/inst/rmarkdown/templates/Slides/skeleton/TitlePage_buaa.pptx
@@ -1,14 +1,14 @@
 
 <file path=ppt/presentation.xml><?xml version="1.0" encoding="utf-8"?>
-<p:presentation xmlns:a="http://schemas.openxmlformats.org/drawingml/2006/main" xmlns:r="http://schemas.openxmlformats.org/officeDocument/2006/relationships" xmlns:p="http://schemas.openxmlformats.org/presentationml/2006/main" saveSubsetFonts="1" autoCompressPictures="0">
+<p:presentation xmlns:a="http://schemas.openxmlformats.org/drawingml/2006/main" xmlns:r="http://schemas.openxmlformats.org/officeDocument/2006/relationships" xmlns:p="http://schemas.openxmlformats.org/presentationml/2006/main" autoCompressPictures="0">
   <p:sldMasterIdLst>
-    <p:sldMasterId id="2147483660" r:id="rId1"/>
+    <p:sldMasterId id="2147483648" r:id="rId1"/>
   </p:sldMasterIdLst>
   <p:notesMasterIdLst>
-    <p:notesMasterId r:id="rId3"/>
+    <p:notesMasterId r:id="rId4"/>
   </p:notesMasterIdLst>
   <p:sldIdLst>
-    <p:sldId id="256" r:id="rId2"/>
+    <p:sldId id="256" r:id="rId3"/>
   </p:sldIdLst>
   <p:sldSz cx="9144000" cy="6858000" type="screen4x3"/>
   <p:notesSz cx="6858000" cy="9144000"/>
@@ -107,11 +107,6 @@
       </a:defRPr>
     </a:lvl9pPr>
   </p:defaultTextStyle>
-  <p:extLst>
-    <p:ext uri="{EFAFB233-063F-42B5-8137-9DF3F51BA10A}">
-      <p15:sldGuideLst xmlns:p15="http://schemas.microsoft.com/office/powerpoint/2012/main"/>
-    </p:ext>
-  </p:extLst>
 </p:presentation>
 </file>
 
@@ -197,7 +192,6 @@
           <a:p>
             <a:fld id="{0361A377-819A-1142-B328-9A23D9E52FA1}" type="datetimeFigureOut">
               <a:rPr lang="en-US" smtClean="0"/>
-              <a:t>3/24/20</a:t>
             </a:fld>
             <a:endParaRPr lang="en-US"/>
           </a:p>
@@ -264,6 +258,7 @@
               <a:rPr lang="en-US" smtClean="0"/>
               <a:t>Click to edit Master text styles</a:t>
             </a:r>
+            <a:endParaRPr lang="en-US" smtClean="0"/>
           </a:p>
           <a:p>
             <a:pPr lvl="1"/>
@@ -271,6 +266,7 @@
               <a:rPr lang="en-US" smtClean="0"/>
               <a:t>Second level</a:t>
             </a:r>
+            <a:endParaRPr lang="en-US" smtClean="0"/>
           </a:p>
           <a:p>
             <a:pPr lvl="2"/>
@@ -278,6 +274,7 @@
               <a:rPr lang="en-US" smtClean="0"/>
               <a:t>Third level</a:t>
             </a:r>
+            <a:endParaRPr lang="en-US" smtClean="0"/>
           </a:p>
           <a:p>
             <a:pPr lvl="3"/>
@@ -285,6 +282,7 @@
               <a:rPr lang="en-US" smtClean="0"/>
               <a:t>Fourth level</a:t>
             </a:r>
+            <a:endParaRPr lang="en-US" smtClean="0"/>
           </a:p>
           <a:p>
             <a:pPr lvl="4"/>
@@ -356,18 +354,12 @@
           <a:p>
             <a:fld id="{BA187F47-9FE1-6142-BC70-90AB2A217EF4}" type="slidenum">
               <a:rPr lang="en-US" smtClean="0"/>
-              <a:t>‹#›</a:t>
             </a:fld>
             <a:endParaRPr lang="en-US"/>
           </a:p>
         </p:txBody>
       </p:sp>
     </p:spTree>
-    <p:extLst>
-      <p:ext uri="{BB962C8B-B14F-4D97-AF65-F5344CB8AC3E}">
-        <p14:creationId xmlns:p14="http://schemas.microsoft.com/office/powerpoint/2010/main" val="1024623435"/>
-      </p:ext>
-    </p:extLst>
   </p:cSld>
   <p:clrMap bg1="lt1" tx1="dk1" bg2="lt2" tx2="dk2" accent1="accent1" accent2="accent2" accent3="accent3" accent4="accent4" accent5="accent5" accent6="accent6" hlink="hlink" folHlink="folHlink"/>
   <p:notesStyle>
@@ -596,7 +588,6 @@
           <a:p>
             <a:fld id="{9D7B71A3-91EE-184B-A932-9BA3D4F102A8}" type="datetimeFigureOut">
               <a:rPr lang="en-US" smtClean="0"/>
-              <a:t>3/24/20</a:t>
             </a:fld>
             <a:endParaRPr lang="en-US"/>
           </a:p>
@@ -638,7 +629,6 @@
           <a:p>
             <a:fld id="{D8997360-FB48-1F45-8B9F-4B0F3C9415B2}" type="slidenum">
               <a:rPr lang="en-US" smtClean="0"/>
-              <a:t>‹#›</a:t>
             </a:fld>
             <a:endParaRPr lang="en-US"/>
           </a:p>
@@ -712,6 +702,7 @@
               <a:rPr lang="en-US" smtClean="0"/>
               <a:t>Click to edit Master text styles</a:t>
             </a:r>
+            <a:endParaRPr lang="en-US" smtClean="0"/>
           </a:p>
           <a:p>
             <a:pPr lvl="1"/>
@@ -719,6 +710,7 @@
               <a:rPr lang="en-US" smtClean="0"/>
               <a:t>Second level</a:t>
             </a:r>
+            <a:endParaRPr lang="en-US" smtClean="0"/>
           </a:p>
           <a:p>
             <a:pPr lvl="2"/>
@@ -726,6 +718,7 @@
               <a:rPr lang="en-US" smtClean="0"/>
               <a:t>Third level</a:t>
             </a:r>
+            <a:endParaRPr lang="en-US" smtClean="0"/>
           </a:p>
           <a:p>
             <a:pPr lvl="3"/>
@@ -733,6 +726,7 @@
               <a:rPr lang="en-US" smtClean="0"/>
               <a:t>Fourth level</a:t>
             </a:r>
+            <a:endParaRPr lang="en-US" smtClean="0"/>
           </a:p>
           <a:p>
             <a:pPr lvl="4"/>
@@ -761,7 +755,6 @@
           <a:p>
             <a:fld id="{9D7B71A3-91EE-184B-A932-9BA3D4F102A8}" type="datetimeFigureOut">
               <a:rPr lang="en-US" smtClean="0"/>
-              <a:t>3/24/20</a:t>
             </a:fld>
             <a:endParaRPr lang="en-US"/>
           </a:p>
@@ -803,7 +796,6 @@
           <a:p>
             <a:fld id="{D8997360-FB48-1F45-8B9F-4B0F3C9415B2}" type="slidenum">
               <a:rPr lang="en-US" smtClean="0"/>
-              <a:t>‹#›</a:t>
             </a:fld>
             <a:endParaRPr lang="en-US"/>
           </a:p>
@@ -887,6 +879,7 @@
               <a:rPr lang="en-US" smtClean="0"/>
               <a:t>Click to edit Master text styles</a:t>
             </a:r>
+            <a:endParaRPr lang="en-US" smtClean="0"/>
           </a:p>
           <a:p>
             <a:pPr lvl="1"/>
@@ -894,6 +887,7 @@
               <a:rPr lang="en-US" smtClean="0"/>
               <a:t>Second level</a:t>
             </a:r>
+            <a:endParaRPr lang="en-US" smtClean="0"/>
           </a:p>
           <a:p>
             <a:pPr lvl="2"/>
@@ -901,6 +895,7 @@
               <a:rPr lang="en-US" smtClean="0"/>
               <a:t>Third level</a:t>
             </a:r>
+            <a:endParaRPr lang="en-US" smtClean="0"/>
           </a:p>
           <a:p>
             <a:pPr lvl="3"/>
@@ -908,6 +903,7 @@
               <a:rPr lang="en-US" smtClean="0"/>
               <a:t>Fourth level</a:t>
             </a:r>
+            <a:endParaRPr lang="en-US" smtClean="0"/>
           </a:p>
           <a:p>
             <a:pPr lvl="4"/>
@@ -936,7 +932,6 @@
           <a:p>
             <a:fld id="{9D7B71A3-91EE-184B-A932-9BA3D4F102A8}" type="datetimeFigureOut">
               <a:rPr lang="en-US" smtClean="0"/>
-              <a:t>3/24/20</a:t>
             </a:fld>
             <a:endParaRPr lang="en-US"/>
           </a:p>
@@ -978,7 +973,6 @@
           <a:p>
             <a:fld id="{D8997360-FB48-1F45-8B9F-4B0F3C9415B2}" type="slidenum">
               <a:rPr lang="en-US" smtClean="0"/>
-              <a:t>‹#›</a:t>
             </a:fld>
             <a:endParaRPr lang="en-US"/>
           </a:p>
@@ -1052,6 +1046,7 @@
               <a:rPr lang="en-US" smtClean="0"/>
               <a:t>Click to edit Master text styles</a:t>
             </a:r>
+            <a:endParaRPr lang="en-US" smtClean="0"/>
           </a:p>
           <a:p>
             <a:pPr lvl="1"/>
@@ -1059,6 +1054,7 @@
               <a:rPr lang="en-US" smtClean="0"/>
               <a:t>Second level</a:t>
             </a:r>
+            <a:endParaRPr lang="en-US" smtClean="0"/>
           </a:p>
           <a:p>
             <a:pPr lvl="2"/>
@@ -1066,6 +1062,7 @@
               <a:rPr lang="en-US" smtClean="0"/>
               <a:t>Third level</a:t>
             </a:r>
+            <a:endParaRPr lang="en-US" smtClean="0"/>
           </a:p>
           <a:p>
             <a:pPr lvl="3"/>
@@ -1073,6 +1070,7 @@
               <a:rPr lang="en-US" smtClean="0"/>
               <a:t>Fourth level</a:t>
             </a:r>
+            <a:endParaRPr lang="en-US" smtClean="0"/>
           </a:p>
           <a:p>
             <a:pPr lvl="4"/>
@@ -1101,7 +1099,6 @@
           <a:p>
             <a:fld id="{9D7B71A3-91EE-184B-A932-9BA3D4F102A8}" type="datetimeFigureOut">
               <a:rPr lang="en-US" smtClean="0"/>
-              <a:t>3/24/20</a:t>
             </a:fld>
             <a:endParaRPr lang="en-US"/>
           </a:p>
@@ -1143,7 +1140,6 @@
           <a:p>
             <a:fld id="{D8997360-FB48-1F45-8B9F-4B0F3C9415B2}" type="slidenum">
               <a:rPr lang="en-US" smtClean="0"/>
-              <a:t>‹#›</a:t>
             </a:fld>
             <a:endParaRPr lang="en-US"/>
           </a:p>
@@ -1320,6 +1316,7 @@
               <a:rPr lang="en-US" smtClean="0"/>
               <a:t>Click to edit Master text styles</a:t>
             </a:r>
+            <a:endParaRPr lang="en-US" smtClean="0"/>
           </a:p>
         </p:txBody>
       </p:sp>
@@ -1340,7 +1337,6 @@
           <a:p>
             <a:fld id="{9D7B71A3-91EE-184B-A932-9BA3D4F102A8}" type="datetimeFigureOut">
               <a:rPr lang="en-US" smtClean="0"/>
-              <a:t>3/24/20</a:t>
             </a:fld>
             <a:endParaRPr lang="en-US"/>
           </a:p>
@@ -1382,7 +1378,6 @@
           <a:p>
             <a:fld id="{D8997360-FB48-1F45-8B9F-4B0F3C9415B2}" type="slidenum">
               <a:rPr lang="en-US" smtClean="0"/>
-              <a:t>‹#›</a:t>
             </a:fld>
             <a:endParaRPr lang="en-US"/>
           </a:p>
@@ -1461,6 +1456,7 @@
               <a:rPr lang="en-US" smtClean="0"/>
               <a:t>Click to edit Master text styles</a:t>
             </a:r>
+            <a:endParaRPr lang="en-US" smtClean="0"/>
           </a:p>
           <a:p>
             <a:pPr lvl="1"/>
@@ -1468,6 +1464,7 @@
               <a:rPr lang="en-US" smtClean="0"/>
               <a:t>Second level</a:t>
             </a:r>
+            <a:endParaRPr lang="en-US" smtClean="0"/>
           </a:p>
           <a:p>
             <a:pPr lvl="2"/>
@@ -1475,6 +1472,7 @@
               <a:rPr lang="en-US" smtClean="0"/>
               <a:t>Third level</a:t>
             </a:r>
+            <a:endParaRPr lang="en-US" smtClean="0"/>
           </a:p>
           <a:p>
             <a:pPr lvl="3"/>
@@ -1482,6 +1480,7 @@
               <a:rPr lang="en-US" smtClean="0"/>
               <a:t>Fourth level</a:t>
             </a:r>
+            <a:endParaRPr lang="en-US" smtClean="0"/>
           </a:p>
           <a:p>
             <a:pPr lvl="4"/>
@@ -1518,6 +1517,7 @@
               <a:rPr lang="en-US" smtClean="0"/>
               <a:t>Click to edit Master text styles</a:t>
             </a:r>
+            <a:endParaRPr lang="en-US" smtClean="0"/>
           </a:p>
           <a:p>
             <a:pPr lvl="1"/>
@@ -1525,6 +1525,7 @@
               <a:rPr lang="en-US" smtClean="0"/>
               <a:t>Second level</a:t>
             </a:r>
+            <a:endParaRPr lang="en-US" smtClean="0"/>
           </a:p>
           <a:p>
             <a:pPr lvl="2"/>
@@ -1532,6 +1533,7 @@
               <a:rPr lang="en-US" smtClean="0"/>
               <a:t>Third level</a:t>
             </a:r>
+            <a:endParaRPr lang="en-US" smtClean="0"/>
           </a:p>
           <a:p>
             <a:pPr lvl="3"/>
@@ -1539,6 +1541,7 @@
               <a:rPr lang="en-US" smtClean="0"/>
               <a:t>Fourth level</a:t>
             </a:r>
+            <a:endParaRPr lang="en-US" smtClean="0"/>
           </a:p>
           <a:p>
             <a:pPr lvl="4"/>
@@ -1567,7 +1570,6 @@
           <a:p>
             <a:fld id="{9D7B71A3-91EE-184B-A932-9BA3D4F102A8}" type="datetimeFigureOut">
               <a:rPr lang="en-US" smtClean="0"/>
-              <a:t>3/24/20</a:t>
             </a:fld>
             <a:endParaRPr lang="en-US"/>
           </a:p>
@@ -1609,7 +1611,6 @@
           <a:p>
             <a:fld id="{D8997360-FB48-1F45-8B9F-4B0F3C9415B2}" type="slidenum">
               <a:rPr lang="en-US" smtClean="0"/>
-              <a:t>‹#›</a:t>
             </a:fld>
             <a:endParaRPr lang="en-US"/>
           </a:p>
@@ -1730,6 +1731,7 @@
               <a:rPr lang="en-US" smtClean="0"/>
               <a:t>Click to edit Master text styles</a:t>
             </a:r>
+            <a:endParaRPr lang="en-US" smtClean="0"/>
           </a:p>
         </p:txBody>
       </p:sp>
@@ -1758,6 +1760,7 @@
               <a:rPr lang="en-US" smtClean="0"/>
               <a:t>Click to edit Master text styles</a:t>
             </a:r>
+            <a:endParaRPr lang="en-US" smtClean="0"/>
           </a:p>
           <a:p>
             <a:pPr lvl="1"/>
@@ -1765,6 +1768,7 @@
               <a:rPr lang="en-US" smtClean="0"/>
               <a:t>Second level</a:t>
             </a:r>
+            <a:endParaRPr lang="en-US" smtClean="0"/>
           </a:p>
           <a:p>
             <a:pPr lvl="2"/>
@@ -1772,6 +1776,7 @@
               <a:rPr lang="en-US" smtClean="0"/>
               <a:t>Third level</a:t>
             </a:r>
+            <a:endParaRPr lang="en-US" smtClean="0"/>
           </a:p>
           <a:p>
             <a:pPr lvl="3"/>
@@ -1779,6 +1784,7 @@
               <a:rPr lang="en-US" smtClean="0"/>
               <a:t>Fourth level</a:t>
             </a:r>
+            <a:endParaRPr lang="en-US" smtClean="0"/>
           </a:p>
           <a:p>
             <a:pPr lvl="4"/>
@@ -1852,6 +1858,7 @@
               <a:rPr lang="en-US" smtClean="0"/>
               <a:t>Click to edit Master text styles</a:t>
             </a:r>
+            <a:endParaRPr lang="en-US" smtClean="0"/>
           </a:p>
         </p:txBody>
       </p:sp>
@@ -1880,6 +1887,7 @@
               <a:rPr lang="en-US" smtClean="0"/>
               <a:t>Click to edit Master text styles</a:t>
             </a:r>
+            <a:endParaRPr lang="en-US" smtClean="0"/>
           </a:p>
           <a:p>
             <a:pPr lvl="1"/>
@@ -1887,6 +1895,7 @@
               <a:rPr lang="en-US" smtClean="0"/>
               <a:t>Second level</a:t>
             </a:r>
+            <a:endParaRPr lang="en-US" smtClean="0"/>
           </a:p>
           <a:p>
             <a:pPr lvl="2"/>
@@ -1894,6 +1903,7 @@
               <a:rPr lang="en-US" smtClean="0"/>
               <a:t>Third level</a:t>
             </a:r>
+            <a:endParaRPr lang="en-US" smtClean="0"/>
           </a:p>
           <a:p>
             <a:pPr lvl="3"/>
@@ -1901,6 +1911,7 @@
               <a:rPr lang="en-US" smtClean="0"/>
               <a:t>Fourth level</a:t>
             </a:r>
+            <a:endParaRPr lang="en-US" smtClean="0"/>
           </a:p>
           <a:p>
             <a:pPr lvl="4"/>
@@ -1929,7 +1940,6 @@
           <a:p>
             <a:fld id="{9D7B71A3-91EE-184B-A932-9BA3D4F102A8}" type="datetimeFigureOut">
               <a:rPr lang="en-US" smtClean="0"/>
-              <a:t>3/24/20</a:t>
             </a:fld>
             <a:endParaRPr lang="en-US"/>
           </a:p>
@@ -1971,7 +1981,6 @@
           <a:p>
             <a:fld id="{D8997360-FB48-1F45-8B9F-4B0F3C9415B2}" type="slidenum">
               <a:rPr lang="en-US" smtClean="0"/>
-              <a:t>‹#›</a:t>
             </a:fld>
             <a:endParaRPr lang="en-US"/>
           </a:p>
@@ -2042,7 +2051,6 @@
           <a:p>
             <a:fld id="{9D7B71A3-91EE-184B-A932-9BA3D4F102A8}" type="datetimeFigureOut">
               <a:rPr lang="en-US" smtClean="0"/>
-              <a:t>3/24/20</a:t>
             </a:fld>
             <a:endParaRPr lang="en-US"/>
           </a:p>
@@ -2084,7 +2092,6 @@
           <a:p>
             <a:fld id="{D8997360-FB48-1F45-8B9F-4B0F3C9415B2}" type="slidenum">
               <a:rPr lang="en-US" smtClean="0"/>
-              <a:t>‹#›</a:t>
             </a:fld>
             <a:endParaRPr lang="en-US"/>
           </a:p>
@@ -2132,7 +2139,6 @@
           <a:p>
             <a:fld id="{9D7B71A3-91EE-184B-A932-9BA3D4F102A8}" type="datetimeFigureOut">
               <a:rPr lang="en-US" smtClean="0"/>
-              <a:t>3/24/20</a:t>
             </a:fld>
             <a:endParaRPr lang="en-US"/>
           </a:p>
@@ -2174,7 +2180,6 @@
           <a:p>
             <a:fld id="{D8997360-FB48-1F45-8B9F-4B0F3C9415B2}" type="slidenum">
               <a:rPr lang="en-US" smtClean="0"/>
-              <a:t>‹#›</a:t>
             </a:fld>
             <a:endParaRPr lang="en-US"/>
           </a:p>
@@ -2290,6 +2295,7 @@
               <a:rPr lang="en-US" smtClean="0"/>
               <a:t>Click to edit Master text styles</a:t>
             </a:r>
+            <a:endParaRPr lang="en-US" smtClean="0"/>
           </a:p>
           <a:p>
             <a:pPr lvl="1"/>
@@ -2297,6 +2303,7 @@
               <a:rPr lang="en-US" smtClean="0"/>
               <a:t>Second level</a:t>
             </a:r>
+            <a:endParaRPr lang="en-US" smtClean="0"/>
           </a:p>
           <a:p>
             <a:pPr lvl="2"/>
@@ -2304,6 +2311,7 @@
               <a:rPr lang="en-US" smtClean="0"/>
               <a:t>Third level</a:t>
             </a:r>
+            <a:endParaRPr lang="en-US" smtClean="0"/>
           </a:p>
           <a:p>
             <a:pPr lvl="3"/>
@@ -2311,6 +2319,7 @@
               <a:rPr lang="en-US" smtClean="0"/>
               <a:t>Fourth level</a:t>
             </a:r>
+            <a:endParaRPr lang="en-US" smtClean="0"/>
           </a:p>
           <a:p>
             <a:pPr lvl="4"/>
@@ -2384,6 +2393,7 @@
               <a:rPr lang="en-US" smtClean="0"/>
               <a:t>Click to edit Master text styles</a:t>
             </a:r>
+            <a:endParaRPr lang="en-US" smtClean="0"/>
           </a:p>
         </p:txBody>
       </p:sp>
@@ -2404,7 +2414,6 @@
           <a:p>
             <a:fld id="{9D7B71A3-91EE-184B-A932-9BA3D4F102A8}" type="datetimeFigureOut">
               <a:rPr lang="en-US" smtClean="0"/>
-              <a:t>3/24/20</a:t>
             </a:fld>
             <a:endParaRPr lang="en-US"/>
           </a:p>
@@ -2446,7 +2455,6 @@
           <a:p>
             <a:fld id="{D8997360-FB48-1F45-8B9F-4B0F3C9415B2}" type="slidenum">
               <a:rPr lang="en-US" smtClean="0"/>
-              <a:t>‹#›</a:t>
             </a:fld>
             <a:endParaRPr lang="en-US"/>
           </a:p>
@@ -2516,7 +2524,7 @@
             <a:spLocks noGrp="1" noChangeAspect="1"/>
           </p:cNvSpPr>
           <p:nvPr>
-            <p:ph type="pic" idx="1"/>
+            <p:ph type="pic" idx="1" hasCustomPrompt="1"/>
           </p:nvPr>
         </p:nvSpPr>
         <p:spPr>
@@ -2636,6 +2644,7 @@
               <a:rPr lang="en-US" smtClean="0"/>
               <a:t>Click to edit Master text styles</a:t>
             </a:r>
+            <a:endParaRPr lang="en-US" smtClean="0"/>
           </a:p>
         </p:txBody>
       </p:sp>
@@ -2656,7 +2665,6 @@
           <a:p>
             <a:fld id="{9D7B71A3-91EE-184B-A932-9BA3D4F102A8}" type="datetimeFigureOut">
               <a:rPr lang="en-US" smtClean="0"/>
-              <a:t>3/24/20</a:t>
             </a:fld>
             <a:endParaRPr lang="en-US"/>
           </a:p>
@@ -2698,7 +2706,6 @@
           <a:p>
             <a:fld id="{D8997360-FB48-1F45-8B9F-4B0F3C9415B2}" type="slidenum">
               <a:rPr lang="en-US" smtClean="0"/>
-              <a:t>‹#›</a:t>
             </a:fld>
             <a:endParaRPr lang="en-US"/>
           </a:p>
@@ -2797,6 +2804,7 @@
               <a:rPr lang="en-US" smtClean="0"/>
               <a:t>Click to edit Master text styles</a:t>
             </a:r>
+            <a:endParaRPr lang="en-US" smtClean="0"/>
           </a:p>
           <a:p>
             <a:pPr lvl="1"/>
@@ -2804,6 +2812,7 @@
               <a:rPr lang="en-US" smtClean="0"/>
               <a:t>Second level</a:t>
             </a:r>
+            <a:endParaRPr lang="en-US" smtClean="0"/>
           </a:p>
           <a:p>
             <a:pPr lvl="2"/>
@@ -2811,6 +2820,7 @@
               <a:rPr lang="en-US" smtClean="0"/>
               <a:t>Third level</a:t>
             </a:r>
+            <a:endParaRPr lang="en-US" smtClean="0"/>
           </a:p>
           <a:p>
             <a:pPr lvl="3"/>
@@ -2818,6 +2828,7 @@
               <a:rPr lang="en-US" smtClean="0"/>
               <a:t>Fourth level</a:t>
             </a:r>
+            <a:endParaRPr lang="en-US" smtClean="0"/>
           </a:p>
           <a:p>
             <a:pPr lvl="4"/>
@@ -2864,7 +2875,6 @@
           <a:p>
             <a:fld id="{9D7B71A3-91EE-184B-A932-9BA3D4F102A8}" type="datetimeFigureOut">
               <a:rPr lang="en-US" smtClean="0"/>
-              <a:t>3/24/20</a:t>
             </a:fld>
             <a:endParaRPr lang="en-US"/>
           </a:p>
@@ -2942,32 +2952,26 @@
           <a:p>
             <a:fld id="{D8997360-FB48-1F45-8B9F-4B0F3C9415B2}" type="slidenum">
               <a:rPr lang="en-US" smtClean="0"/>
-              <a:t>‹#›</a:t>
             </a:fld>
             <a:endParaRPr lang="en-US"/>
           </a:p>
         </p:txBody>
       </p:sp>
     </p:spTree>
-    <p:extLst>
-      <p:ext uri="{BB962C8B-B14F-4D97-AF65-F5344CB8AC3E}">
-        <p14:creationId xmlns:p14="http://schemas.microsoft.com/office/powerpoint/2010/main" val="20087639"/>
-      </p:ext>
-    </p:extLst>
   </p:cSld>
   <p:clrMap bg1="lt1" tx1="dk1" bg2="lt2" tx2="dk2" accent1="accent1" accent2="accent2" accent3="accent3" accent4="accent4" accent5="accent5" accent6="accent6" hlink="hlink" folHlink="folHlink"/>
   <p:sldLayoutIdLst>
-    <p:sldLayoutId id="2147483661" r:id="rId1"/>
-    <p:sldLayoutId id="2147483662" r:id="rId2"/>
-    <p:sldLayoutId id="2147483663" r:id="rId3"/>
-    <p:sldLayoutId id="2147483664" r:id="rId4"/>
-    <p:sldLayoutId id="2147483665" r:id="rId5"/>
-    <p:sldLayoutId id="2147483666" r:id="rId6"/>
-    <p:sldLayoutId id="2147483667" r:id="rId7"/>
-    <p:sldLayoutId id="2147483668" r:id="rId8"/>
-    <p:sldLayoutId id="2147483669" r:id="rId9"/>
-    <p:sldLayoutId id="2147483670" r:id="rId10"/>
-    <p:sldLayoutId id="2147483671" r:id="rId11"/>
+    <p:sldLayoutId id="2147483649" r:id="rId1"/>
+    <p:sldLayoutId id="2147483650" r:id="rId2"/>
+    <p:sldLayoutId id="2147483651" r:id="rId3"/>
+    <p:sldLayoutId id="2147483652" r:id="rId4"/>
+    <p:sldLayoutId id="2147483653" r:id="rId5"/>
+    <p:sldLayoutId id="2147483654" r:id="rId6"/>
+    <p:sldLayoutId id="2147483655" r:id="rId7"/>
+    <p:sldLayoutId id="2147483656" r:id="rId8"/>
+    <p:sldLayoutId id="2147483657" r:id="rId9"/>
+    <p:sldLayoutId id="2147483658" r:id="rId10"/>
+    <p:sldLayoutId id="2147483659" r:id="rId11"/>
   </p:sldLayoutIdLst>
   <p:txStyles>
     <p:titleStyle>
@@ -3307,7 +3311,7 @@
           <p:nvPr/>
         </p:nvPicPr>
         <p:blipFill>
-          <a:blip r:embed="rId2">
+          <a:blip r:embed="rId1">
             <a:lum bright="70000" contrast="-70000"/>
             <a:extLst>
               <a:ext uri="{28A0092B-C50C-407E-A947-70E740481C1C}">
@@ -3394,11 +3398,6 @@
         </p:txBody>
       </p:sp>
     </p:spTree>
-    <p:extLst>
-      <p:ext uri="{BB962C8B-B14F-4D97-AF65-F5344CB8AC3E}">
-        <p14:creationId xmlns:p14="http://schemas.microsoft.com/office/powerpoint/2010/main" val="1360936418"/>
-      </p:ext>
-    </p:extLst>
   </p:cSld>
   <p:clrMapOvr>
     <a:masterClrMapping/>
@@ -3456,7 +3455,7 @@
     </a:clrScheme>
     <a:fontScheme name="Office Theme">
       <a:majorFont>
-        <a:latin typeface="Calibri Light" panose="020F0302020204030204"/>
+        <a:latin typeface="Calibri Light"/>
         <a:ea typeface=""/>
         <a:cs typeface=""/>
         <a:font script="Jpan" typeface="游ゴシック Light"/>
@@ -3491,7 +3490,7 @@
         <a:font script="Geor" typeface="Sylfaen"/>
       </a:majorFont>
       <a:minorFont>
-        <a:latin typeface="Calibri" panose="020F0502020204030204"/>
+        <a:latin typeface="Calibri"/>
         <a:ea typeface=""/>
         <a:cs typeface=""/>
         <a:font script="Jpan" typeface="游ゴシック"/>
@@ -3664,8 +3663,6 @@
       </a:bgFillStyleLst>
     </a:fmtScheme>
   </a:themeElements>
-  <a:objectDefaults/>
-  <a:extraClrSchemeLst/>
   <a:extLst>
     <a:ext uri="{05A4C25C-085E-4340-85A3-A5531E510DB2}">
       <thm15:themeFamily xmlns:thm15="http://schemas.microsoft.com/office/thememl/2012/main" name="Office Theme" id="{62F939B6-93AF-4DB8-9C6B-D6C7DFDC589F}" vid="{4A3C46E8-61CC-4603-A589-7422A47A8E4A}"/>
@@ -3717,7 +3714,7 @@
     </a:clrScheme>
     <a:fontScheme name="Office">
       <a:majorFont>
-        <a:latin typeface="Calibri Light" panose="020F0302020204030204"/>
+        <a:latin typeface="Calibri Light"/>
         <a:ea typeface=""/>
         <a:cs typeface=""/>
         <a:font script="Jpan" typeface="Yu Gothic Light"/>
@@ -3752,7 +3749,7 @@
         <a:font script="Geor" typeface="Sylfaen"/>
       </a:majorFont>
       <a:minorFont>
-        <a:latin typeface="Calibri" panose="020F0502020204030204"/>
+        <a:latin typeface="Calibri"/>
         <a:ea typeface=""/>
         <a:cs typeface=""/>
         <a:font script="Jpan" typeface="Yu Gothic"/>
@@ -3925,8 +3922,6 @@
       </a:bgFillStyleLst>
     </a:fmtScheme>
   </a:themeElements>
-  <a:objectDefaults/>
-  <a:extraClrSchemeLst/>
   <a:extLst>
     <a:ext uri="{05A4C25C-085E-4340-85A3-A5531E510DB2}">
       <thm15:themeFamily xmlns:thm15="http://schemas.microsoft.com/office/thememl/2012/main" name="Office Theme" id="{62F939B6-93AF-4DB8-9C6B-D6C7DFDC589F}" vid="{4A3C46E8-61CC-4603-A589-7422A47A8E4A}"/>
